--- a/ISW_WDH_20191203.pptx
+++ b/ISW_WDH_20191203.pptx
@@ -8,16 +8,17 @@
     <p:sldId id="256" r:id="rId2"/>
     <p:sldId id="266" r:id="rId3"/>
     <p:sldId id="258" r:id="rId4"/>
-    <p:sldId id="259" r:id="rId5"/>
-    <p:sldId id="263" r:id="rId6"/>
-    <p:sldId id="267" r:id="rId7"/>
-    <p:sldId id="260" r:id="rId8"/>
-    <p:sldId id="261" r:id="rId9"/>
-    <p:sldId id="257" r:id="rId10"/>
-    <p:sldId id="268" r:id="rId11"/>
-    <p:sldId id="269" r:id="rId12"/>
-    <p:sldId id="270" r:id="rId13"/>
-    <p:sldId id="264" r:id="rId14"/>
+    <p:sldId id="271" r:id="rId5"/>
+    <p:sldId id="259" r:id="rId6"/>
+    <p:sldId id="263" r:id="rId7"/>
+    <p:sldId id="267" r:id="rId8"/>
+    <p:sldId id="260" r:id="rId9"/>
+    <p:sldId id="261" r:id="rId10"/>
+    <p:sldId id="257" r:id="rId11"/>
+    <p:sldId id="268" r:id="rId12"/>
+    <p:sldId id="269" r:id="rId13"/>
+    <p:sldId id="270" r:id="rId14"/>
+    <p:sldId id="264" r:id="rId15"/>
   </p:sldIdLst>
   <p:sldSz cx="12192000" cy="6858000"/>
   <p:notesSz cx="6858000" cy="9144000"/>
@@ -153,7 +154,7 @@
   </inkml:definitions>
   <inkml:trace contextRef="#ctx0" brushRef="#br0">1012 22 4144 0 0,'-4'0'58'0'0,"3"0"-41"0"0,0 1 0 0 0,-1-1-1 0 0,1 0 1 0 0,0 0-1 0 0,0 0 1 0 0,0 0 0 0 0,-1-1-1 0 0,1 1 1 0 0,0 0 0 0 0,0 0-1 0 0,0-1 1 0 0,0 1 0 0 0,0-1-1 0 0,0 1 1 0 0,0-1 0 0 0,0 1-1 0 0,0-1 1 0 0,0 0 0 0 0,0 1-1 0 0,0-1 1 0 0,-1 0-17 0 0,2 0-20 0 0,0 1 30 0 0,0-1 0 0 0,0 1 0 0 0,0-1 0 0 0,0 1 0 0 0,0 0 0 0 0,-1-1-1 0 0,1 1 1 0 0,0 0 0 0 0,0-1 0 0 0,0 1 0 0 0,-1 0 0 0 0,1-1 0 0 0,0 1 0 0 0,0 0-1 0 0,-1 0 1 0 0,1-1 0 0 0,0 1 0 0 0,0 0 0 0 0,-1 0 0 0 0,1-1 0 0 0,0 1 0 0 0,-1 0-1 0 0,1 0 1 0 0,0 0 0 0 0,-1 0 0 0 0,1 0 0 0 0,0-1 0 0 0,-1 1 0 0 0,1 0 0 0 0,-1 0-1 0 0,1 0 1 0 0,0 0 0 0 0,-1 0 0 0 0,1 0 0 0 0,0 0 0 0 0,-1 0 0 0 0,1 0 0 0 0,-1 0-1 0 0,1 1 1 0 0,0-1 0 0 0,-1 0-10 0 0,-1 0 1997 0 0,2 0 682 0 0,3-2 1016 0 0,8 0-2095 0 0,2 1-1280 0 0,-1 0 0 0 0,1 1 1 0 0,0 0-1 0 0,0 1 1 0 0,-1 1-1 0 0,1 0 1 0 0,5 2-321 0 0,36 5 512 0 0,341 14 328 0 0,-260-22-655 0 0,57 3 222 0 0,-31 4 15 0 0,-45-3 148 0 0,45 11-570 0 0,79 22 336 0 0,40 20-336 0 0,-222-46-22 0 0,-16-3-54 0 0,8 4 76 0 0,35 11-48 0 0,-16-5 104 0 0,-2 2 0 0 0,47 24-56 0 0,-11-1 11 0 0,-25-10-12 0 0,11 9 1 0 0,144 90 0 0 0,-34-12 0 0 0,-109-69 0 0 0,8-1 0 0 0,6 3 0 0 0,-68-34 0 0 0,10 4 0 0 0,-2 2 0 0 0,11 10 0 0 0,-4 0 0 0 0,-25-19 0 0 0,0 2 0 0 0,-2 0 0 0 0,0 2 0 0 0,7 9 0 0 0,54 61 0 0 0,44 51 0 0 0,-71-77 0 0 0,2-2 0 0 0,10 3 0 0 0,-42-40 0 0 0,28 22 0 0 0,-24-22 0 0 0,7 10 0 0 0,9 10 0 0 0,-17-17 0 0 0,-2 1 0 0 0,0 1 0 0 0,2 7 0 0 0,30 41 0 0 0,14 18 0 0 0,-41-52 0 0 0,2-1 0 0 0,2-2 0 0 0,27 22 0 0 0,-13-15 0 0 0,95 96 0 0 0,-68-66 30 0 0,2-4-1 0 0,49 32-29 0 0,-96-79 5 0 0,-16-14 5 0 0,1 1-1 0 0,0-2 0 0 0,1-1 0 0 0,0 0 0 0 0,1-2 0 0 0,0 0 0 0 0,14 4-9 0 0,23 5 48 0 0,53 15 86 0 0,-29-5 75 0 0,-70-25-123 0 0,-1 1 1 0 0,1 0-1 0 0,-1 1 1 0 0,0 0-1 0 0,0 1 0 0 0,9 7-86 0 0,9 6 147 0 0,10 9 69 0 0,-26-21-116 0 0,0 1 1 0 0,-1 0-1 0 0,2 2-100 0 0,14 10 219 0 0,-8-9 13 0 0,1-1 0 0 0,0-1-1 0 0,0-2 1 0 0,1 1 0 0 0,0-2-1 0 0,3-1-231 0 0,-25-6 9 0 0,28 7 171 0 0,-18-5-85 0 0,-1 0 1 0 0,-1 0-1 0 0,1 1 0 0 0,3 2-95 0 0,-3-2 67 0 0,0 0 0 0 0,0 0 0 0 0,4 0-67 0 0,-6-1 9 0 0,0-1 1 0 0,-1 1-1 0 0,1 1 0 0 0,-1-1 0 0 0,0 1 0 0 0,5 3-9 0 0,18 10 1 0 0,-17-10-5 0 0,-1 0-1 0 0,0 1 1 0 0,0 0 0 0 0,0 2 4 0 0,-9-8-16 0 0,1 1-68 0 0,0 1 1 0 0,0-1-1 0 0,0 0 1 0 0,0 1-1 0 0,-1-1 0 0 0,1 1 1 0 0,-1 0-1 0 0,0 0 1 0 0,0 0-1 0 0,1 2 84 0 0,0-1-522 0 0,-1 0 0 0 0,1 0-1 0 0,0 0 1 0 0,0 0 0 0 0,0-1-1 0 0,1 1 1 0 0,2 1 522 0 0,6 7-4121 0 0,3 5-2737 0 0</inkml:trace>
   <inkml:trace contextRef="#ctx0" brushRef="#br0" timeOffset="2439.434">547 1899 8752 0 0,'0'-2'66'0'0,"1"0"0"0"0,-1-1 1 0 0,1 1-1 0 0,0 0 0 0 0,-1-1 1 0 0,1 1-1 0 0,0 0 1 0 0,0 0-1 0 0,1-1 0 0 0,-1 1 1 0 0,0 0-1 0 0,1 0 0 0 0,-1 0 1 0 0,1 1-1 0 0,-1-1 0 0 0,1 0 1 0 0,0 1-1 0 0,0-1 0 0 0,0 1 1 0 0,0-1-1 0 0,0 1 0 0 0,0 0 1 0 0,3-1-67 0 0,7-4 621 0 0,0 1 0 0 0,1 0 0 0 0,12-3-621 0 0,-20 7 228 0 0,71-18 1497 0 0,0 4-1 0 0,68-4-1724 0 0,-19 2 443 0 0,28-2 226 0 0,85 3-669 0 0,154 11 161 0 0,-38 22 115 0 0,-5 25 172 0 0,-254-29-322 0 0,174 30 120 0 0,106 37-246 0 0,-278-53 43 0 0,-2 4-1 0 0,44 22-42 0 0,-4 8 50 0 0,42 29-50 0 0,-90-39 28 0 0,-2 3-1 0 0,62 55-27 0 0,147 138 0 0 0,67 53-2 0 0,-273-234 2 0 0,39 29 0 0 0,-39-29 0 0 0,43 44 0 0 0,73 83 0 0 0,-141-135 0 0 0,2-3 0 0 0,3-2 0 0 0,2-4 0 0 0,46 24 0 0 0,-89-57 0 0 0,42 24 0 0 0,16 4 0 0 0,55 19 32 0 0,4-6 0 0 0,38 5-32 0 0,-37-13 50 0 0,33 11 26 0 0,36 1-8 0 0,182 49 2 0 0,-322-94-32 0 0,0-3-1 0 0,54 2-37 0 0,-51-11 95 0 0,0-3 0 0 0,0-4 0 0 0,42-8-95 0 0,14-12 76 0 0,-80 12 52 0 0,32-13-128 0 0,-41 11 43 0 0,-2 1 110 0 0,-1-2-1 0 0,-1-2 0 0 0,6-4-152 0 0,25-16 416 0 0,-60 31-271 0 0,0-1 0 0 0,9-6-145 0 0,8-6 185 0 0,1 1 71 0 0,-2-1 0 0 0,16-14-256 0 0,-15 11 72 0 0,-11 4-15 0 0,-15 15-22 0 0,0-1 0 0 0,0 1 0 0 0,0 0 1 0 0,0 0-1 0 0,1 0 0 0 0,-1 0 0 0 0,1 0 0 0 0,-1 0 1 0 0,1 1-1 0 0,0-1 0 0 0,1 0-35 0 0,-3 3-70 0 0,0 0 1 0 0,0 0-1 0 0,0 0 1 0 0,0 0-1 0 0,0 0 0 0 0,0 0 1 0 0,0 0-1 0 0,0 0 0 0 0,-1 1 1 0 0,1-1-1 0 0,0 0 1 0 0,-1 0-1 0 0,1 1 0 0 0,0-1 70 0 0,-1-1-1 0 0,13 33-5955 0 0,-7-10-390 0 0</inkml:trace>
-  <inkml:trace contextRef="#ctx0" brushRef="#br0" timeOffset="4166.463">54 4070 10592 0 0,'-53'-53'3165'0'0,"52"52"-2049"0"0,1 1-109 0 0,0 0-505 0 0,2-1-443 0 0,0 0-1 0 0,-1 1 0 0 0,1-1 0 0 0,0 1 1 0 0,0 0-1 0 0,0 0 0 0 0,-1-1 1 0 0,1 1-1 0 0,0 0 0 0 0,0 0 1 0 0,-1 1-1 0 0,2-1-58 0 0,55 4 9 0 0,38 4-122 0 0,242 23 254 0 0,57-14 670 0 0,-136-8-360 0 0,-42-1-154 0 0,-72-6-167 0 0,150 4 109 0 0,59 0 51 0 0,-6 0-52 0 0,251 29 210 0 0,-286-14-624 0 0,-21-2 32 0 0,909 44 480 0 0,-750-43-73 0 0,161 23 249 0 0,-222-6-359 0 0,122 6-153 0 0,-178-16 0 0 0,-114-13 0 0 0,59 7 0 0 0,15 8 0 0 0,-255-25-14 0 0,227 32-97 0 0,-133-20 101 0 0,-46-6-64 0 0,186 12-22 0 0,-148-13 97 0 0,3-4-83 0 0,63-7 82 0 0,-113-3 2 0 0,-1-3 1 0 0,-1-4 0 0 0,0-3-1 0 0,40-14-2 0 0,-84 18 34 0 0,1-1-1 0 0,-2-2 0 0 0,16-10-33 0 0,16-7 214 0 0,-17 8 174 0 0,-2-2 0 0 0,3-4-388 0 0,25-15 501 0 0,-46 28-367 0 0,-11 7 0 0 0,0 0-1 0 0,16-6-133 0 0,11-4 82 0 0,-25 11-59 0 0,1 0 0 0 0,9-2-23 0 0,-11 4 0 0 0,-1 0 0 0 0,0-1 0 0 0,0-1 0 0 0,2-2 0 0 0,-4 2 0 0 0,7-4 29 0 0,-1-1-1 0 0,0-1 0 0 0,-1-1 1 0 0,-1 0-1 0 0,11-13-28 0 0,6-9 82 0 0,-2-2 0 0 0,0-5-82 0 0,-21 30-4 0 0,1 1 1 0 0,0 1-1 0 0,3-3 4 0 0,5-4-183 0 0,-19 18 150 0 0,1-1-1 0 0,0 1 1 0 0,0-1 0 0 0,0 1-1 0 0,0 0 1 0 0,0 0-1 0 0,0 0 1 0 0,0 0-1 0 0,0 0 1 0 0,1 0 33 0 0,16-7-3178 0 0,-12 4-3869 0 0</inkml:trace>
+  <inkml:trace contextRef="#ctx0" brushRef="#br0" timeOffset="4166.462">54 4070 10592 0 0,'-53'-53'3165'0'0,"52"52"-2049"0"0,1 1-109 0 0,0 0-505 0 0,2-1-443 0 0,0 0-1 0 0,-1 1 0 0 0,1-1 0 0 0,0 1 1 0 0,0 0-1 0 0,0 0 0 0 0,-1-1 1 0 0,1 1-1 0 0,0 0 0 0 0,0 0 1 0 0,-1 1-1 0 0,2-1-58 0 0,55 4 9 0 0,38 4-122 0 0,242 23 254 0 0,57-14 670 0 0,-136-8-360 0 0,-42-1-154 0 0,-72-6-167 0 0,150 4 109 0 0,59 0 51 0 0,-6 0-52 0 0,251 29 210 0 0,-286-14-624 0 0,-21-2 32 0 0,909 44 480 0 0,-750-43-73 0 0,161 23 249 0 0,-222-6-359 0 0,122 6-153 0 0,-178-16 0 0 0,-114-13 0 0 0,59 7 0 0 0,15 8 0 0 0,-255-25-14 0 0,227 32-97 0 0,-133-20 101 0 0,-46-6-64 0 0,186 12-22 0 0,-148-13 97 0 0,3-4-83 0 0,63-7 82 0 0,-113-3 2 0 0,-1-3 1 0 0,-1-4 0 0 0,0-3-1 0 0,40-14-2 0 0,-84 18 34 0 0,1-1-1 0 0,-2-2 0 0 0,16-10-33 0 0,16-7 214 0 0,-17 8 174 0 0,-2-2 0 0 0,3-4-388 0 0,25-15 501 0 0,-46 28-367 0 0,-11 7 0 0 0,0 0-1 0 0,16-6-133 0 0,11-4 82 0 0,-25 11-59 0 0,1 0 0 0 0,9-2-23 0 0,-11 4 0 0 0,-1 0 0 0 0,0-1 0 0 0,0-1 0 0 0,2-2 0 0 0,-4 2 0 0 0,7-4 29 0 0,-1-1-1 0 0,0-1 0 0 0,-1-1 1 0 0,-1 0-1 0 0,11-13-28 0 0,6-9 82 0 0,-2-2 0 0 0,0-5-82 0 0,-21 30-4 0 0,1 1 1 0 0,0 1-1 0 0,3-3 4 0 0,5-4-183 0 0,-19 18 150 0 0,1-1-1 0 0,0 1 1 0 0,0-1 0 0 0,0 1-1 0 0,0 0 1 0 0,0 0-1 0 0,0 0 1 0 0,0 0-1 0 0,0 0 1 0 0,1 0 33 0 0,16-7-3178 0 0,-12 4-3869 0 0</inkml:trace>
 </inkml:ink>
 </file>
 
@@ -465,7 +466,7 @@
           <a:p>
             <a:fld id="{03828C17-BFDC-48B5-9187-BE7B185D22DD}" type="datetimeFigureOut">
               <a:rPr lang="en-US" smtClean="0"/>
-              <a:t>12/3/2019</a:t>
+              <a:t>12/4/2019</a:t>
             </a:fld>
             <a:endParaRPr lang="en-US"/>
           </a:p>
@@ -663,7 +664,7 @@
           <a:p>
             <a:fld id="{03828C17-BFDC-48B5-9187-BE7B185D22DD}" type="datetimeFigureOut">
               <a:rPr lang="en-US" smtClean="0"/>
-              <a:t>12/3/2019</a:t>
+              <a:t>12/4/2019</a:t>
             </a:fld>
             <a:endParaRPr lang="en-US"/>
           </a:p>
@@ -871,7 +872,7 @@
           <a:p>
             <a:fld id="{03828C17-BFDC-48B5-9187-BE7B185D22DD}" type="datetimeFigureOut">
               <a:rPr lang="en-US" smtClean="0"/>
-              <a:t>12/3/2019</a:t>
+              <a:t>12/4/2019</a:t>
             </a:fld>
             <a:endParaRPr lang="en-US"/>
           </a:p>
@@ -1069,7 +1070,7 @@
           <a:p>
             <a:fld id="{03828C17-BFDC-48B5-9187-BE7B185D22DD}" type="datetimeFigureOut">
               <a:rPr lang="en-US" smtClean="0"/>
-              <a:t>12/3/2019</a:t>
+              <a:t>12/4/2019</a:t>
             </a:fld>
             <a:endParaRPr lang="en-US"/>
           </a:p>
@@ -1344,7 +1345,7 @@
           <a:p>
             <a:fld id="{03828C17-BFDC-48B5-9187-BE7B185D22DD}" type="datetimeFigureOut">
               <a:rPr lang="en-US" smtClean="0"/>
-              <a:t>12/3/2019</a:t>
+              <a:t>12/4/2019</a:t>
             </a:fld>
             <a:endParaRPr lang="en-US"/>
           </a:p>
@@ -1609,7 +1610,7 @@
           <a:p>
             <a:fld id="{03828C17-BFDC-48B5-9187-BE7B185D22DD}" type="datetimeFigureOut">
               <a:rPr lang="en-US" smtClean="0"/>
-              <a:t>12/3/2019</a:t>
+              <a:t>12/4/2019</a:t>
             </a:fld>
             <a:endParaRPr lang="en-US"/>
           </a:p>
@@ -2021,7 +2022,7 @@
           <a:p>
             <a:fld id="{03828C17-BFDC-48B5-9187-BE7B185D22DD}" type="datetimeFigureOut">
               <a:rPr lang="en-US" smtClean="0"/>
-              <a:t>12/3/2019</a:t>
+              <a:t>12/4/2019</a:t>
             </a:fld>
             <a:endParaRPr lang="en-US"/>
           </a:p>
@@ -2162,7 +2163,7 @@
           <a:p>
             <a:fld id="{03828C17-BFDC-48B5-9187-BE7B185D22DD}" type="datetimeFigureOut">
               <a:rPr lang="en-US" smtClean="0"/>
-              <a:t>12/3/2019</a:t>
+              <a:t>12/4/2019</a:t>
             </a:fld>
             <a:endParaRPr lang="en-US"/>
           </a:p>
@@ -2275,7 +2276,7 @@
           <a:p>
             <a:fld id="{03828C17-BFDC-48B5-9187-BE7B185D22DD}" type="datetimeFigureOut">
               <a:rPr lang="en-US" smtClean="0"/>
-              <a:t>12/3/2019</a:t>
+              <a:t>12/4/2019</a:t>
             </a:fld>
             <a:endParaRPr lang="en-US"/>
           </a:p>
@@ -2586,7 +2587,7 @@
           <a:p>
             <a:fld id="{03828C17-BFDC-48B5-9187-BE7B185D22DD}" type="datetimeFigureOut">
               <a:rPr lang="en-US" smtClean="0"/>
-              <a:t>12/3/2019</a:t>
+              <a:t>12/4/2019</a:t>
             </a:fld>
             <a:endParaRPr lang="en-US"/>
           </a:p>
@@ -2874,7 +2875,7 @@
           <a:p>
             <a:fld id="{03828C17-BFDC-48B5-9187-BE7B185D22DD}" type="datetimeFigureOut">
               <a:rPr lang="en-US" smtClean="0"/>
-              <a:t>12/3/2019</a:t>
+              <a:t>12/4/2019</a:t>
             </a:fld>
             <a:endParaRPr lang="en-US"/>
           </a:p>
@@ -3115,7 +3116,7 @@
           <a:p>
             <a:fld id="{03828C17-BFDC-48B5-9187-BE7B185D22DD}" type="datetimeFigureOut">
               <a:rPr lang="en-US" smtClean="0"/>
-              <a:t>12/3/2019</a:t>
+              <a:t>12/4/2019</a:t>
             </a:fld>
             <a:endParaRPr lang="en-US"/>
           </a:p>
@@ -3621,6 +3622,200 @@
           <p:cNvPr id="2" name="Title 1">
             <a:extLst>
               <a:ext uri="{FF2B5EF4-FFF2-40B4-BE49-F238E27FC236}">
+                <a16:creationId xmlns:a16="http://schemas.microsoft.com/office/drawing/2014/main" id="{96E641F0-05CD-439A-9702-F9F70DB03A3D}"/>
+              </a:ext>
+            </a:extLst>
+          </p:cNvPr>
+          <p:cNvSpPr>
+            <a:spLocks noGrp="1"/>
+          </p:cNvSpPr>
+          <p:nvPr>
+            <p:ph type="title"/>
+          </p:nvPr>
+        </p:nvSpPr>
+        <p:spPr/>
+        <p:txBody>
+          <a:bodyPr/>
+          <a:lstStyle/>
+          <a:p>
+            <a:r>
+              <a:rPr lang="en-US" dirty="0"/>
+              <a:t>Rationale</a:t>
+            </a:r>
+          </a:p>
+        </p:txBody>
+      </p:sp>
+      <p:sp>
+        <p:nvSpPr>
+          <p:cNvPr id="3" name="Content Placeholder 2">
+            <a:extLst>
+              <a:ext uri="{FF2B5EF4-FFF2-40B4-BE49-F238E27FC236}">
+                <a16:creationId xmlns:a16="http://schemas.microsoft.com/office/drawing/2014/main" id="{B6E92CE3-74FF-4990-B242-2107A6BD5DA3}"/>
+              </a:ext>
+            </a:extLst>
+          </p:cNvPr>
+          <p:cNvSpPr>
+            <a:spLocks noGrp="1"/>
+          </p:cNvSpPr>
+          <p:nvPr>
+            <p:ph idx="1"/>
+          </p:nvPr>
+        </p:nvSpPr>
+        <p:spPr>
+          <a:xfrm>
+            <a:off x="838200" y="1825624"/>
+            <a:ext cx="10515600" cy="5032375"/>
+          </a:xfrm>
+        </p:spPr>
+        <p:txBody>
+          <a:bodyPr>
+            <a:normAutofit/>
+          </a:bodyPr>
+          <a:lstStyle/>
+          <a:p>
+            <a:r>
+              <a:rPr lang="en-US" dirty="0" err="1"/>
+              <a:t>Begründungen</a:t>
+            </a:r>
+            <a:r>
+              <a:rPr lang="en-US" dirty="0"/>
+              <a:t> </a:t>
+            </a:r>
+            <a:r>
+              <a:rPr lang="en-US" dirty="0" err="1"/>
+              <a:t>für</a:t>
+            </a:r>
+            <a:r>
+              <a:rPr lang="en-US" dirty="0"/>
+              <a:t> </a:t>
+            </a:r>
+            <a:r>
+              <a:rPr lang="en-US" dirty="0" err="1"/>
+              <a:t>Entscheidungen</a:t>
+            </a:r>
+            <a:r>
+              <a:rPr lang="en-US" dirty="0"/>
+              <a:t> </a:t>
+            </a:r>
+          </a:p>
+          <a:p>
+            <a:r>
+              <a:rPr lang="en-US" dirty="0" err="1"/>
+              <a:t>Beschreiben</a:t>
+            </a:r>
+            <a:r>
+              <a:rPr lang="en-US" dirty="0"/>
+              <a:t> </a:t>
+            </a:r>
+            <a:r>
+              <a:rPr lang="en-US" dirty="0" err="1"/>
+              <a:t>mit</a:t>
+            </a:r>
+            <a:r>
+              <a:rPr lang="en-US" dirty="0"/>
+              <a:t>:</a:t>
+            </a:r>
+          </a:p>
+          <a:p>
+            <a:pPr lvl="1"/>
+            <a:r>
+              <a:rPr lang="de-DE" dirty="0"/>
+              <a:t>Fragen (konkrete Probleme ohne eindeutige Lösung)</a:t>
+            </a:r>
+          </a:p>
+          <a:p>
+            <a:pPr lvl="1"/>
+            <a:r>
+              <a:rPr lang="de-DE" dirty="0"/>
+              <a:t>Optionen (Alternativen zur Lösung)</a:t>
+            </a:r>
+          </a:p>
+          <a:p>
+            <a:pPr lvl="1"/>
+            <a:r>
+              <a:rPr lang="de-DE" dirty="0"/>
+              <a:t>Kriterien</a:t>
+            </a:r>
+          </a:p>
+          <a:p>
+            <a:pPr lvl="1"/>
+            <a:r>
+              <a:rPr lang="de-DE" dirty="0"/>
+              <a:t>Argumente (Diskussionen)</a:t>
+            </a:r>
+          </a:p>
+          <a:p>
+            <a:pPr lvl="1"/>
+            <a:r>
+              <a:rPr lang="de-DE" dirty="0"/>
+              <a:t>Entscheidungen</a:t>
+            </a:r>
+          </a:p>
+          <a:p>
+            <a:r>
+              <a:rPr lang="de-DE" dirty="0"/>
+              <a:t>Darstellung:</a:t>
+            </a:r>
+          </a:p>
+          <a:p>
+            <a:pPr lvl="1"/>
+            <a:r>
+              <a:rPr lang="de-DE" dirty="0"/>
+              <a:t>Tabelle</a:t>
+            </a:r>
+          </a:p>
+          <a:p>
+            <a:pPr lvl="1"/>
+            <a:r>
+              <a:rPr lang="de-DE" dirty="0"/>
+              <a:t>Freitext</a:t>
+            </a:r>
+          </a:p>
+          <a:p>
+            <a:pPr lvl="1"/>
+            <a:r>
+              <a:rPr lang="de-DE" dirty="0"/>
+              <a:t>Etc.</a:t>
+            </a:r>
+            <a:endParaRPr lang="en-US" dirty="0"/>
+          </a:p>
+        </p:txBody>
+      </p:sp>
+    </p:spTree>
+    <p:extLst>
+      <p:ext uri="{BB962C8B-B14F-4D97-AF65-F5344CB8AC3E}">
+        <p14:creationId xmlns:p14="http://schemas.microsoft.com/office/powerpoint/2010/main" val="2213168427"/>
+      </p:ext>
+    </p:extLst>
+  </p:cSld>
+  <p:clrMapOvr>
+    <a:masterClrMapping/>
+  </p:clrMapOvr>
+</p:sld>
+</file>
+
+<file path=ppt/slides/slide11.xml><?xml version="1.0" encoding="utf-8"?>
+<p:sld xmlns:a="http://schemas.openxmlformats.org/drawingml/2006/main" xmlns:r="http://schemas.openxmlformats.org/officeDocument/2006/relationships" xmlns:p="http://schemas.openxmlformats.org/presentationml/2006/main">
+  <p:cSld>
+    <p:spTree>
+      <p:nvGrpSpPr>
+        <p:cNvPr id="1" name=""/>
+        <p:cNvGrpSpPr/>
+        <p:nvPr/>
+      </p:nvGrpSpPr>
+      <p:grpSpPr>
+        <a:xfrm>
+          <a:off x="0" y="0"/>
+          <a:ext cx="0" cy="0"/>
+          <a:chOff x="0" y="0"/>
+          <a:chExt cx="0" cy="0"/>
+        </a:xfrm>
+      </p:grpSpPr>
+      <p:sp>
+        <p:nvSpPr>
+          <p:cNvPr id="2" name="Title 1">
+            <a:extLst>
+              <a:ext uri="{FF2B5EF4-FFF2-40B4-BE49-F238E27FC236}">
                 <a16:creationId xmlns:a16="http://schemas.microsoft.com/office/drawing/2014/main" id="{FB0007F8-6A3B-4FBF-A4EA-92470D0EDD5B}"/>
               </a:ext>
             </a:extLst>
@@ -3735,7 +3930,7 @@
 </p:sld>
 </file>
 
-<file path=ppt/slides/slide11.xml><?xml version="1.0" encoding="utf-8"?>
+<file path=ppt/slides/slide12.xml><?xml version="1.0" encoding="utf-8"?>
 <p:sld xmlns:a="http://schemas.openxmlformats.org/drawingml/2006/main" xmlns:r="http://schemas.openxmlformats.org/officeDocument/2006/relationships" xmlns:p="http://schemas.openxmlformats.org/presentationml/2006/main">
   <p:cSld>
     <p:spTree>
@@ -3894,7 +4089,7 @@
 </p:sld>
 </file>
 
-<file path=ppt/slides/slide12.xml><?xml version="1.0" encoding="utf-8"?>
+<file path=ppt/slides/slide13.xml><?xml version="1.0" encoding="utf-8"?>
 <p:sld xmlns:a="http://schemas.openxmlformats.org/drawingml/2006/main" xmlns:r="http://schemas.openxmlformats.org/officeDocument/2006/relationships" xmlns:p="http://schemas.openxmlformats.org/presentationml/2006/main">
   <p:cSld>
     <p:spTree>
@@ -4110,8 +4305,8 @@
           </a:prstGeom>
         </p:spPr>
       </p:pic>
-      <mc:AlternateContent xmlns:mc="http://schemas.openxmlformats.org/markup-compatibility/2006">
-        <mc:Choice xmlns:p14="http://schemas.microsoft.com/office/powerpoint/2010/main" Requires="p14">
+      <mc:AlternateContent xmlns:mc="http://schemas.openxmlformats.org/markup-compatibility/2006" xmlns:p14="http://schemas.microsoft.com/office/powerpoint/2010/main">
+        <mc:Choice Requires="p14">
           <p:contentPart p14:bwMode="auto" r:id="rId3">
             <p14:nvContentPartPr>
               <p14:cNvPr id="24" name="Ink 23">
@@ -4130,7 +4325,7 @@
             </p14:xfrm>
           </p:contentPart>
         </mc:Choice>
-        <mc:Fallback>
+        <mc:Fallback xmlns="">
           <p:pic>
             <p:nvPicPr>
               <p:cNvPr id="24" name="Ink 23">
@@ -4174,7 +4369,7 @@
 </p:sld>
 </file>
 
-<file path=ppt/slides/slide13.xml><?xml version="1.0" encoding="utf-8"?>
+<file path=ppt/slides/slide14.xml><?xml version="1.0" encoding="utf-8"?>
 <p:sld xmlns:a="http://schemas.openxmlformats.org/drawingml/2006/main" xmlns:r="http://schemas.openxmlformats.org/officeDocument/2006/relationships" xmlns:p="http://schemas.openxmlformats.org/presentationml/2006/main">
   <p:cSld>
     <p:spTree>
@@ -4525,9 +4720,42 @@
           <a:p>
             <a:pPr lvl="1"/>
             <a:r>
+              <a:rPr lang="en-US" dirty="0" err="1"/>
+              <a:t>Gegen</a:t>
+            </a:r>
+            <a:r>
               <a:rPr lang="en-US" dirty="0"/>
-              <a:t>Least Knowledge Principle</a:t>
-            </a:r>
+              <a:t> Interfaces </a:t>
+            </a:r>
+            <a:r>
+              <a:rPr lang="en-US" dirty="0" err="1"/>
+              <a:t>programmieren</a:t>
+            </a:r>
+            <a:r>
+              <a:rPr lang="en-US" dirty="0"/>
+              <a:t>: </a:t>
+            </a:r>
+            <a:r>
+              <a:rPr lang="en-US" dirty="0" err="1"/>
+              <a:t>eigentliche</a:t>
+            </a:r>
+            <a:r>
+              <a:rPr lang="en-US" dirty="0"/>
+              <a:t> </a:t>
+            </a:r>
+            <a:r>
+              <a:rPr lang="en-US" dirty="0" err="1"/>
+              <a:t>Realisierung</a:t>
+            </a:r>
+            <a:r>
+              <a:rPr lang="en-US" dirty="0"/>
+              <a:t> </a:t>
+            </a:r>
+            <a:r>
+              <a:rPr lang="en-US" dirty="0" err="1"/>
+              <a:t>unwichtig</a:t>
+            </a:r>
+            <a:endParaRPr lang="en-US" dirty="0"/>
           </a:p>
           <a:p>
             <a:r>
@@ -5058,7 +5286,7 @@
           <p:cNvPr id="2" name="Title 1">
             <a:extLst>
               <a:ext uri="{FF2B5EF4-FFF2-40B4-BE49-F238E27FC236}">
-                <a16:creationId xmlns:a16="http://schemas.microsoft.com/office/drawing/2014/main" id="{DB9BE143-2737-45A7-9AD4-4230B8CF941E}"/>
+                <a16:creationId xmlns:a16="http://schemas.microsoft.com/office/drawing/2014/main" id="{AE13060F-2B99-427C-BE7A-5055A223EF37}"/>
               </a:ext>
             </a:extLst>
           </p:cNvPr>
@@ -5075,39 +5303,30 @@
           <a:lstStyle/>
           <a:p>
             <a:r>
+              <a:rPr lang="en-US" dirty="0"/>
+              <a:t>UML-</a:t>
+            </a:r>
+            <a:r>
               <a:rPr lang="en-US" dirty="0" err="1"/>
-              <a:t>Klassendiagramm</a:t>
-            </a:r>
-            <a:r>
-              <a:rPr lang="en-US" dirty="0"/>
-              <a:t> - </a:t>
-            </a:r>
-            <a:r>
-              <a:rPr lang="en-US" dirty="0" err="1"/>
-              <a:t>Elemente</a:t>
-            </a:r>
-            <a:r>
-              <a:rPr lang="en-US" dirty="0"/>
-              <a:t> </a:t>
-            </a:r>
+              <a:t>Diagramme</a:t>
+            </a:r>
+            <a:endParaRPr lang="en-US" dirty="0"/>
           </a:p>
         </p:txBody>
       </p:sp>
       <p:pic>
         <p:nvPicPr>
-          <p:cNvPr id="5" name="Content Placeholder 4">
-            <a:extLst>
-              <a:ext uri="{FF2B5EF4-FFF2-40B4-BE49-F238E27FC236}">
-                <a16:creationId xmlns:a16="http://schemas.microsoft.com/office/drawing/2014/main" id="{41B5D48E-DDB2-49E0-9F3F-41196622EC2B}"/>
+          <p:cNvPr id="5" name="Picture 4">
+            <a:extLst>
+              <a:ext uri="{FF2B5EF4-FFF2-40B4-BE49-F238E27FC236}">
+                <a16:creationId xmlns:a16="http://schemas.microsoft.com/office/drawing/2014/main" id="{DDC1BF1E-1B20-4484-9923-99F5F04FBB51}"/>
               </a:ext>
             </a:extLst>
           </p:cNvPr>
           <p:cNvPicPr>
-            <a:picLocks noGrp="1" noChangeAspect="1"/>
+            <a:picLocks noChangeAspect="1"/>
           </p:cNvPicPr>
-          <p:nvPr>
-            <p:ph idx="1"/>
-          </p:nvPr>
+          <p:nvPr/>
         </p:nvPicPr>
         <p:blipFill>
           <a:blip r:embed="rId2">
@@ -5123,8 +5342,149 @@
         </p:blipFill>
         <p:spPr>
           <a:xfrm>
-            <a:off x="6096000" y="1675544"/>
-            <a:ext cx="5257800" cy="3506911"/>
+            <a:off x="1978138" y="1604423"/>
+            <a:ext cx="8235724" cy="4951540"/>
+          </a:xfrm>
+          <a:prstGeom prst="rect">
+            <a:avLst/>
+          </a:prstGeom>
+        </p:spPr>
+      </p:pic>
+      <p:sp>
+        <p:nvSpPr>
+          <p:cNvPr id="6" name="Rectangle 5">
+            <a:extLst>
+              <a:ext uri="{FF2B5EF4-FFF2-40B4-BE49-F238E27FC236}">
+                <a16:creationId xmlns:a16="http://schemas.microsoft.com/office/drawing/2014/main" id="{5D47FE55-429E-428E-BBCF-6F9DA76094F8}"/>
+              </a:ext>
+            </a:extLst>
+          </p:cNvPr>
+          <p:cNvSpPr/>
+          <p:nvPr/>
+        </p:nvSpPr>
+        <p:spPr>
+          <a:xfrm>
+            <a:off x="838200" y="6457562"/>
+            <a:ext cx="12192000" cy="369332"/>
+          </a:xfrm>
+          <a:prstGeom prst="rect">
+            <a:avLst/>
+          </a:prstGeom>
+        </p:spPr>
+        <p:txBody>
+          <a:bodyPr wrap="square">
+            <a:spAutoFit/>
+          </a:bodyPr>
+          <a:lstStyle/>
+          <a:p>
+            <a:r>
+              <a:rPr lang="en-US" dirty="0"/>
+              <a:t>(https://www.visual-paradigm.com/guide/uml-unified-)modeling-language/overview-of-the-14-uml-diagram-types/</a:t>
+            </a:r>
+          </a:p>
+        </p:txBody>
+      </p:sp>
+    </p:spTree>
+    <p:extLst>
+      <p:ext uri="{BB962C8B-B14F-4D97-AF65-F5344CB8AC3E}">
+        <p14:creationId xmlns:p14="http://schemas.microsoft.com/office/powerpoint/2010/main" val="2464943803"/>
+      </p:ext>
+    </p:extLst>
+  </p:cSld>
+  <p:clrMapOvr>
+    <a:masterClrMapping/>
+  </p:clrMapOvr>
+</p:sld>
+</file>
+
+<file path=ppt/slides/slide5.xml><?xml version="1.0" encoding="utf-8"?>
+<p:sld xmlns:a="http://schemas.openxmlformats.org/drawingml/2006/main" xmlns:r="http://schemas.openxmlformats.org/officeDocument/2006/relationships" xmlns:p="http://schemas.openxmlformats.org/presentationml/2006/main">
+  <p:cSld>
+    <p:spTree>
+      <p:nvGrpSpPr>
+        <p:cNvPr id="1" name=""/>
+        <p:cNvGrpSpPr/>
+        <p:nvPr/>
+      </p:nvGrpSpPr>
+      <p:grpSpPr>
+        <a:xfrm>
+          <a:off x="0" y="0"/>
+          <a:ext cx="0" cy="0"/>
+          <a:chOff x="0" y="0"/>
+          <a:chExt cx="0" cy="0"/>
+        </a:xfrm>
+      </p:grpSpPr>
+      <p:sp>
+        <p:nvSpPr>
+          <p:cNvPr id="2" name="Title 1">
+            <a:extLst>
+              <a:ext uri="{FF2B5EF4-FFF2-40B4-BE49-F238E27FC236}">
+                <a16:creationId xmlns:a16="http://schemas.microsoft.com/office/drawing/2014/main" id="{DB9BE143-2737-45A7-9AD4-4230B8CF941E}"/>
+              </a:ext>
+            </a:extLst>
+          </p:cNvPr>
+          <p:cNvSpPr>
+            <a:spLocks noGrp="1"/>
+          </p:cNvSpPr>
+          <p:nvPr>
+            <p:ph type="title"/>
+          </p:nvPr>
+        </p:nvSpPr>
+        <p:spPr/>
+        <p:txBody>
+          <a:bodyPr/>
+          <a:lstStyle/>
+          <a:p>
+            <a:r>
+              <a:rPr lang="en-US" dirty="0" err="1"/>
+              <a:t>Klassendiagramm</a:t>
+            </a:r>
+            <a:r>
+              <a:rPr lang="en-US" dirty="0"/>
+              <a:t> - </a:t>
+            </a:r>
+            <a:r>
+              <a:rPr lang="en-US" dirty="0" err="1"/>
+              <a:t>Elemente</a:t>
+            </a:r>
+            <a:r>
+              <a:rPr lang="en-US" dirty="0"/>
+              <a:t> </a:t>
+            </a:r>
+          </a:p>
+        </p:txBody>
+      </p:sp>
+      <p:pic>
+        <p:nvPicPr>
+          <p:cNvPr id="5" name="Content Placeholder 4">
+            <a:extLst>
+              <a:ext uri="{FF2B5EF4-FFF2-40B4-BE49-F238E27FC236}">
+                <a16:creationId xmlns:a16="http://schemas.microsoft.com/office/drawing/2014/main" id="{41B5D48E-DDB2-49E0-9F3F-41196622EC2B}"/>
+              </a:ext>
+            </a:extLst>
+          </p:cNvPr>
+          <p:cNvPicPr>
+            <a:picLocks noGrp="1" noChangeAspect="1"/>
+          </p:cNvPicPr>
+          <p:nvPr>
+            <p:ph idx="1"/>
+          </p:nvPr>
+        </p:nvPicPr>
+        <p:blipFill rotWithShape="1">
+          <a:blip r:embed="rId2">
+            <a:extLst>
+              <a:ext uri="{28A0092B-C50C-407E-A947-70E740481C1C}">
+                <a14:useLocalDpi xmlns:a14="http://schemas.microsoft.com/office/drawing/2010/main" val="0"/>
+              </a:ext>
+            </a:extLst>
+          </a:blip>
+          <a:srcRect b="35446"/>
+          <a:stretch/>
+        </p:blipFill>
+        <p:spPr>
+          <a:xfrm>
+            <a:off x="6096000" y="2297073"/>
+            <a:ext cx="5257800" cy="2263852"/>
           </a:xfrm>
         </p:spPr>
       </p:pic>
@@ -5177,7 +5537,7 @@
 </p:sld>
 </file>
 
-<file path=ppt/slides/slide5.xml><?xml version="1.0" encoding="utf-8"?>
+<file path=ppt/slides/slide6.xml><?xml version="1.0" encoding="utf-8"?>
 <p:sld xmlns:a="http://schemas.openxmlformats.org/drawingml/2006/main" xmlns:r="http://schemas.openxmlformats.org/officeDocument/2006/relationships" xmlns:p="http://schemas.openxmlformats.org/presentationml/2006/main">
   <p:cSld>
     <p:spTree>
@@ -6568,8 +6928,8 @@
           </a:p>
         </p:txBody>
       </p:sp>
-      <mc:AlternateContent xmlns:mc="http://schemas.openxmlformats.org/markup-compatibility/2006">
-        <mc:Choice xmlns:p14="http://schemas.microsoft.com/office/powerpoint/2010/main" Requires="p14">
+      <mc:AlternateContent xmlns:mc="http://schemas.openxmlformats.org/markup-compatibility/2006" xmlns:p14="http://schemas.microsoft.com/office/powerpoint/2010/main">
+        <mc:Choice Requires="p14">
           <p:contentPart p14:bwMode="auto" r:id="rId3">
             <p14:nvContentPartPr>
               <p14:cNvPr id="16" name="Ink 15">
@@ -6588,7 +6948,7 @@
             </p14:xfrm>
           </p:contentPart>
         </mc:Choice>
-        <mc:Fallback>
+        <mc:Fallback xmlns="">
           <p:pic>
             <p:nvPicPr>
               <p:cNvPr id="16" name="Ink 15">
@@ -6619,8 +6979,8 @@
           </p:pic>
         </mc:Fallback>
       </mc:AlternateContent>
-      <mc:AlternateContent xmlns:mc="http://schemas.openxmlformats.org/markup-compatibility/2006">
-        <mc:Choice xmlns:p14="http://schemas.microsoft.com/office/powerpoint/2010/main" Requires="p14">
+      <mc:AlternateContent xmlns:mc="http://schemas.openxmlformats.org/markup-compatibility/2006" xmlns:p14="http://schemas.microsoft.com/office/powerpoint/2010/main">
+        <mc:Choice Requires="p14">
           <p:contentPart p14:bwMode="auto" r:id="rId5">
             <p14:nvContentPartPr>
               <p14:cNvPr id="21" name="Ink 20">
@@ -6639,7 +6999,7 @@
             </p14:xfrm>
           </p:contentPart>
         </mc:Choice>
-        <mc:Fallback>
+        <mc:Fallback xmlns="">
           <p:pic>
             <p:nvPicPr>
               <p:cNvPr id="21" name="Ink 20">
@@ -6683,7 +7043,7 @@
 </p:sld>
 </file>
 
-<file path=ppt/slides/slide6.xml><?xml version="1.0" encoding="utf-8"?>
+<file path=ppt/slides/slide7.xml><?xml version="1.0" encoding="utf-8"?>
 <p:sld xmlns:a="http://schemas.openxmlformats.org/drawingml/2006/main" xmlns:r="http://schemas.openxmlformats.org/officeDocument/2006/relationships" xmlns:p="http://schemas.openxmlformats.org/presentationml/2006/main">
   <p:cSld>
     <p:spTree>
@@ -6873,8 +7233,8 @@
           </a:p>
         </p:txBody>
       </p:sp>
-      <mc:AlternateContent xmlns:mc="http://schemas.openxmlformats.org/markup-compatibility/2006">
-        <mc:Choice xmlns:p14="http://schemas.microsoft.com/office/powerpoint/2010/main" Requires="p14">
+      <mc:AlternateContent xmlns:mc="http://schemas.openxmlformats.org/markup-compatibility/2006" xmlns:p14="http://schemas.microsoft.com/office/powerpoint/2010/main">
+        <mc:Choice Requires="p14">
           <p:contentPart p14:bwMode="auto" r:id="rId3">
             <p14:nvContentPartPr>
               <p14:cNvPr id="9" name="Ink 8">
@@ -6893,7 +7253,7 @@
             </p14:xfrm>
           </p:contentPart>
         </mc:Choice>
-        <mc:Fallback>
+        <mc:Fallback xmlns="">
           <p:pic>
             <p:nvPicPr>
               <p:cNvPr id="9" name="Ink 8">
@@ -6924,8 +7284,8 @@
           </p:pic>
         </mc:Fallback>
       </mc:AlternateContent>
-      <mc:AlternateContent xmlns:mc="http://schemas.openxmlformats.org/markup-compatibility/2006">
-        <mc:Choice xmlns:p14="http://schemas.microsoft.com/office/powerpoint/2010/main" Requires="p14">
+      <mc:AlternateContent xmlns:mc="http://schemas.openxmlformats.org/markup-compatibility/2006" xmlns:p14="http://schemas.microsoft.com/office/powerpoint/2010/main">
+        <mc:Choice Requires="p14">
           <p:contentPart p14:bwMode="auto" r:id="rId5">
             <p14:nvContentPartPr>
               <p14:cNvPr id="10" name="Ink 9">
@@ -6944,7 +7304,7 @@
             </p14:xfrm>
           </p:contentPart>
         </mc:Choice>
-        <mc:Fallback>
+        <mc:Fallback xmlns="">
           <p:pic>
             <p:nvPicPr>
               <p:cNvPr id="10" name="Ink 9">
@@ -6975,8 +7335,8 @@
           </p:pic>
         </mc:Fallback>
       </mc:AlternateContent>
-      <mc:AlternateContent xmlns:mc="http://schemas.openxmlformats.org/markup-compatibility/2006">
-        <mc:Choice xmlns:p14="http://schemas.microsoft.com/office/powerpoint/2010/main" Requires="p14">
+      <mc:AlternateContent xmlns:mc="http://schemas.openxmlformats.org/markup-compatibility/2006" xmlns:p14="http://schemas.microsoft.com/office/powerpoint/2010/main">
+        <mc:Choice Requires="p14">
           <p:contentPart p14:bwMode="auto" r:id="rId7">
             <p14:nvContentPartPr>
               <p14:cNvPr id="11" name="Ink 10">
@@ -6995,7 +7355,7 @@
             </p14:xfrm>
           </p:contentPart>
         </mc:Choice>
-        <mc:Fallback>
+        <mc:Fallback xmlns="">
           <p:pic>
             <p:nvPicPr>
               <p:cNvPr id="11" name="Ink 10">
@@ -7039,264 +7399,6 @@
 </p:sld>
 </file>
 
-<file path=ppt/slides/slide7.xml><?xml version="1.0" encoding="utf-8"?>
-<p:sld xmlns:a="http://schemas.openxmlformats.org/drawingml/2006/main" xmlns:r="http://schemas.openxmlformats.org/officeDocument/2006/relationships" xmlns:p="http://schemas.openxmlformats.org/presentationml/2006/main">
-  <p:cSld>
-    <p:spTree>
-      <p:nvGrpSpPr>
-        <p:cNvPr id="1" name=""/>
-        <p:cNvGrpSpPr/>
-        <p:nvPr/>
-      </p:nvGrpSpPr>
-      <p:grpSpPr>
-        <a:xfrm>
-          <a:off x="0" y="0"/>
-          <a:ext cx="0" cy="0"/>
-          <a:chOff x="0" y="0"/>
-          <a:chExt cx="0" cy="0"/>
-        </a:xfrm>
-      </p:grpSpPr>
-      <p:sp>
-        <p:nvSpPr>
-          <p:cNvPr id="2" name="Title 1">
-            <a:extLst>
-              <a:ext uri="{FF2B5EF4-FFF2-40B4-BE49-F238E27FC236}">
-                <a16:creationId xmlns:a16="http://schemas.microsoft.com/office/drawing/2014/main" id="{DB9BE143-2737-45A7-9AD4-4230B8CF941E}"/>
-              </a:ext>
-            </a:extLst>
-          </p:cNvPr>
-          <p:cNvSpPr>
-            <a:spLocks noGrp="1"/>
-          </p:cNvSpPr>
-          <p:nvPr>
-            <p:ph type="title"/>
-          </p:nvPr>
-        </p:nvSpPr>
-        <p:spPr/>
-        <p:txBody>
-          <a:bodyPr/>
-          <a:lstStyle/>
-          <a:p>
-            <a:r>
-              <a:rPr lang="en-US" dirty="0" err="1"/>
-              <a:t>Klassendiagramm</a:t>
-            </a:r>
-            <a:r>
-              <a:rPr lang="en-US" dirty="0"/>
-              <a:t> – </a:t>
-            </a:r>
-            <a:r>
-              <a:rPr lang="en-US" dirty="0" err="1"/>
-              <a:t>Erstellen</a:t>
-            </a:r>
-            <a:r>
-              <a:rPr lang="en-US" dirty="0"/>
-              <a:t> / </a:t>
-            </a:r>
-            <a:r>
-              <a:rPr lang="en-US" dirty="0" err="1"/>
-              <a:t>Bearbeiten</a:t>
-            </a:r>
-            <a:r>
-              <a:rPr lang="en-US" dirty="0"/>
-              <a:t> </a:t>
-            </a:r>
-          </a:p>
-        </p:txBody>
-      </p:sp>
-      <p:sp>
-        <p:nvSpPr>
-          <p:cNvPr id="3" name="Content Placeholder 2">
-            <a:extLst>
-              <a:ext uri="{FF2B5EF4-FFF2-40B4-BE49-F238E27FC236}">
-                <a16:creationId xmlns:a16="http://schemas.microsoft.com/office/drawing/2014/main" id="{4F759EB5-43E9-49B6-8F25-872DF79A3EF7}"/>
-              </a:ext>
-            </a:extLst>
-          </p:cNvPr>
-          <p:cNvSpPr>
-            <a:spLocks noGrp="1"/>
-          </p:cNvSpPr>
-          <p:nvPr>
-            <p:ph idx="1"/>
-          </p:nvPr>
-        </p:nvSpPr>
-        <p:spPr/>
-        <p:txBody>
-          <a:bodyPr/>
-          <a:lstStyle/>
-          <a:p>
-            <a:pPr marL="514350" indent="-514350">
-              <a:buFont typeface="+mj-lt"/>
-              <a:buAutoNum type="arabicPeriod"/>
-            </a:pPr>
-            <a:r>
-              <a:rPr lang="en-US" dirty="0"/>
-              <a:t>Jira</a:t>
-            </a:r>
-          </a:p>
-          <a:p>
-            <a:pPr marL="514350" indent="-514350">
-              <a:buFont typeface="+mj-lt"/>
-              <a:buAutoNum type="arabicPeriod"/>
-            </a:pPr>
-            <a:r>
-              <a:rPr lang="en-US" dirty="0" err="1"/>
-              <a:t>Projekt</a:t>
-            </a:r>
-            <a:r>
-              <a:rPr lang="en-US" dirty="0"/>
-              <a:t>: MMAPPSTUD</a:t>
-            </a:r>
-          </a:p>
-          <a:p>
-            <a:pPr marL="514350" indent="-514350">
-              <a:buFont typeface="+mj-lt"/>
-              <a:buAutoNum type="arabicPeriod"/>
-            </a:pPr>
-            <a:r>
-              <a:rPr lang="en-US" dirty="0" err="1"/>
-              <a:t>Suchen</a:t>
-            </a:r>
-            <a:r>
-              <a:rPr lang="en-US" dirty="0"/>
-              <a:t> </a:t>
-            </a:r>
-            <a:r>
-              <a:rPr lang="en-US" dirty="0" err="1"/>
-              <a:t>nach</a:t>
-            </a:r>
-            <a:r>
-              <a:rPr lang="en-US" dirty="0"/>
-              <a:t> </a:t>
-            </a:r>
-            <a:r>
-              <a:rPr lang="en-US" dirty="0" err="1"/>
-              <a:t>Diagramm</a:t>
-            </a:r>
-            <a:r>
-              <a:rPr lang="en-US" dirty="0"/>
-              <a:t>: </a:t>
-            </a:r>
-            <a:r>
-              <a:rPr lang="en-US" sz="2000" dirty="0">
-                <a:latin typeface="Consolas" panose="020B0609020204030204" pitchFamily="49" charset="0"/>
-              </a:rPr>
-              <a:t>project = MMAPPSTUD AND type = Diagram</a:t>
-            </a:r>
-          </a:p>
-          <a:p>
-            <a:pPr marL="514350" indent="-514350">
-              <a:buFont typeface="+mj-lt"/>
-              <a:buAutoNum type="arabicPeriod"/>
-            </a:pPr>
-            <a:r>
-              <a:rPr lang="en-US" dirty="0"/>
-              <a:t>Issue </a:t>
-            </a:r>
-            <a:r>
-              <a:rPr lang="en-US" dirty="0" err="1"/>
-              <a:t>auswählen</a:t>
-            </a:r>
-            <a:endParaRPr lang="en-US" dirty="0"/>
-          </a:p>
-          <a:p>
-            <a:pPr marL="514350" indent="-514350">
-              <a:buFont typeface="+mj-lt"/>
-              <a:buAutoNum type="arabicPeriod"/>
-            </a:pPr>
-            <a:r>
-              <a:rPr lang="en-US" dirty="0" err="1"/>
-              <a:t>Unten</a:t>
-            </a:r>
-            <a:r>
-              <a:rPr lang="en-US" dirty="0"/>
-              <a:t>: Attachments</a:t>
-            </a:r>
-          </a:p>
-          <a:p>
-            <a:pPr marL="514350" indent="-514350">
-              <a:buFont typeface="+mj-lt"/>
-              <a:buAutoNum type="arabicPeriod"/>
-            </a:pPr>
-            <a:r>
-              <a:rPr lang="en-US" dirty="0"/>
-              <a:t>.</a:t>
-            </a:r>
-            <a:r>
-              <a:rPr lang="en-US" dirty="0" err="1"/>
-              <a:t>gliffy</a:t>
-            </a:r>
-            <a:r>
-              <a:rPr lang="en-US" dirty="0"/>
-              <a:t> </a:t>
-            </a:r>
-            <a:r>
-              <a:rPr lang="en-US" dirty="0" err="1"/>
-              <a:t>Diagramm</a:t>
-            </a:r>
-            <a:r>
-              <a:rPr lang="en-US" dirty="0"/>
-              <a:t> </a:t>
-            </a:r>
-            <a:r>
-              <a:rPr lang="en-US" dirty="0" err="1"/>
-              <a:t>runterladen</a:t>
-            </a:r>
-            <a:endParaRPr lang="en-US" dirty="0"/>
-          </a:p>
-          <a:p>
-            <a:pPr marL="514350" indent="-514350">
-              <a:buFont typeface="+mj-lt"/>
-              <a:buAutoNum type="arabicPeriod"/>
-            </a:pPr>
-            <a:r>
-              <a:rPr lang="en-US" dirty="0" err="1"/>
-              <a:t>Importieren</a:t>
-            </a:r>
-            <a:r>
-              <a:rPr lang="en-US" dirty="0"/>
-              <a:t> in </a:t>
-            </a:r>
-            <a:r>
-              <a:rPr lang="en-US" dirty="0" err="1"/>
-              <a:t>anderes</a:t>
-            </a:r>
-            <a:r>
-              <a:rPr lang="en-US" dirty="0"/>
-              <a:t> </a:t>
-            </a:r>
-            <a:r>
-              <a:rPr lang="en-US" dirty="0" err="1"/>
-              <a:t>Programm</a:t>
-            </a:r>
-            <a:r>
-              <a:rPr lang="en-US" dirty="0"/>
-              <a:t> (</a:t>
-            </a:r>
-            <a:r>
-              <a:rPr lang="en-US" dirty="0" err="1"/>
-              <a:t>z.B</a:t>
-            </a:r>
-            <a:r>
-              <a:rPr lang="en-US" dirty="0"/>
-              <a:t>.: draw.io …)</a:t>
-            </a:r>
-          </a:p>
-        </p:txBody>
-      </p:sp>
-    </p:spTree>
-    <p:extLst>
-      <p:ext uri="{BB962C8B-B14F-4D97-AF65-F5344CB8AC3E}">
-        <p14:creationId xmlns:p14="http://schemas.microsoft.com/office/powerpoint/2010/main" val="3297500154"/>
-      </p:ext>
-    </p:extLst>
-  </p:cSld>
-  <p:clrMapOvr>
-    <a:masterClrMapping/>
-  </p:clrMapOvr>
-</p:sld>
-</file>
-
 <file path=ppt/slides/slide8.xml><?xml version="1.0" encoding="utf-8"?>
 <p:sld xmlns:a="http://schemas.openxmlformats.org/drawingml/2006/main" xmlns:r="http://schemas.openxmlformats.org/officeDocument/2006/relationships" xmlns:p="http://schemas.openxmlformats.org/presentationml/2006/main">
   <p:cSld>
@@ -7345,57 +7447,207 @@
             </a:r>
             <a:r>
               <a:rPr lang="en-US" dirty="0" err="1"/>
-              <a:t>Fehler</a:t>
+              <a:t>Erstellen</a:t>
+            </a:r>
+            <a:r>
+              <a:rPr lang="en-US" dirty="0"/>
+              <a:t> / </a:t>
+            </a:r>
+            <a:r>
+              <a:rPr lang="en-US" dirty="0" err="1"/>
+              <a:t>Bearbeiten</a:t>
             </a:r>
             <a:r>
               <a:rPr lang="en-US" dirty="0"/>
               <a:t> </a:t>
             </a:r>
+          </a:p>
+        </p:txBody>
+      </p:sp>
+      <p:sp>
+        <p:nvSpPr>
+          <p:cNvPr id="3" name="Content Placeholder 2">
+            <a:extLst>
+              <a:ext uri="{FF2B5EF4-FFF2-40B4-BE49-F238E27FC236}">
+                <a16:creationId xmlns:a16="http://schemas.microsoft.com/office/drawing/2014/main" id="{4F759EB5-43E9-49B6-8F25-872DF79A3EF7}"/>
+              </a:ext>
+            </a:extLst>
+          </p:cNvPr>
+          <p:cNvSpPr>
+            <a:spLocks noGrp="1"/>
+          </p:cNvSpPr>
+          <p:nvPr>
+            <p:ph idx="1"/>
+          </p:nvPr>
+        </p:nvSpPr>
+        <p:spPr/>
+        <p:txBody>
+          <a:bodyPr/>
+          <a:lstStyle/>
+          <a:p>
+            <a:pPr marL="514350" indent="-514350">
+              <a:buFont typeface="+mj-lt"/>
+              <a:buAutoNum type="arabicPeriod"/>
+            </a:pPr>
+            <a:r>
+              <a:rPr lang="en-US" dirty="0"/>
+              <a:t>Jira</a:t>
+            </a:r>
+          </a:p>
+          <a:p>
+            <a:pPr marL="514350" indent="-514350">
+              <a:buFont typeface="+mj-lt"/>
+              <a:buAutoNum type="arabicPeriod"/>
+            </a:pPr>
             <a:r>
               <a:rPr lang="en-US" dirty="0" err="1"/>
-              <a:t>finden</a:t>
+              <a:t>Projekt</a:t>
+            </a:r>
+            <a:r>
+              <a:rPr lang="en-US" dirty="0"/>
+              <a:t>: MMAPPSTUD</a:t>
+            </a:r>
+          </a:p>
+          <a:p>
+            <a:pPr marL="514350" indent="-514350">
+              <a:buFont typeface="+mj-lt"/>
+              <a:buAutoNum type="arabicPeriod"/>
+            </a:pPr>
+            <a:r>
+              <a:rPr lang="en-US" dirty="0" err="1"/>
+              <a:t>Suchen</a:t>
             </a:r>
             <a:r>
               <a:rPr lang="en-US" dirty="0"/>
               <a:t> </a:t>
             </a:r>
-          </a:p>
-        </p:txBody>
-      </p:sp>
-      <p:pic>
-        <p:nvPicPr>
-          <p:cNvPr id="4" name="Picture 3">
-            <a:extLst>
-              <a:ext uri="{FF2B5EF4-FFF2-40B4-BE49-F238E27FC236}">
-                <a16:creationId xmlns:a16="http://schemas.microsoft.com/office/drawing/2014/main" id="{74C49B84-AD4A-4CD2-A381-0D0881917C12}"/>
-              </a:ext>
-            </a:extLst>
-          </p:cNvPr>
-          <p:cNvPicPr>
-            <a:picLocks noChangeAspect="1"/>
-          </p:cNvPicPr>
-          <p:nvPr/>
-        </p:nvPicPr>
-        <p:blipFill>
-          <a:blip r:embed="rId2"/>
-          <a:stretch>
-            <a:fillRect/>
-          </a:stretch>
-        </p:blipFill>
-        <p:spPr>
-          <a:xfrm>
-            <a:off x="0" y="1298904"/>
-            <a:ext cx="12192000" cy="5559096"/>
-          </a:xfrm>
-          <a:prstGeom prst="rect">
-            <a:avLst/>
-          </a:prstGeom>
-        </p:spPr>
-      </p:pic>
+            <a:r>
+              <a:rPr lang="en-US" dirty="0" err="1"/>
+              <a:t>nach</a:t>
+            </a:r>
+            <a:r>
+              <a:rPr lang="en-US" dirty="0"/>
+              <a:t> </a:t>
+            </a:r>
+            <a:r>
+              <a:rPr lang="en-US" dirty="0" err="1"/>
+              <a:t>Diagramm</a:t>
+            </a:r>
+            <a:r>
+              <a:rPr lang="en-US" dirty="0"/>
+              <a:t>: </a:t>
+            </a:r>
+            <a:r>
+              <a:rPr lang="en-US" sz="2000" dirty="0">
+                <a:latin typeface="Consolas" panose="020B0609020204030204" pitchFamily="49" charset="0"/>
+              </a:rPr>
+              <a:t>project = MMAPPSTUD AND type = Diagram</a:t>
+            </a:r>
+          </a:p>
+          <a:p>
+            <a:pPr marL="514350" indent="-514350">
+              <a:buFont typeface="+mj-lt"/>
+              <a:buAutoNum type="arabicPeriod"/>
+            </a:pPr>
+            <a:r>
+              <a:rPr lang="en-US" dirty="0"/>
+              <a:t>Issue </a:t>
+            </a:r>
+            <a:r>
+              <a:rPr lang="en-US" dirty="0" err="1"/>
+              <a:t>auswählen</a:t>
+            </a:r>
+            <a:endParaRPr lang="en-US" dirty="0"/>
+          </a:p>
+          <a:p>
+            <a:pPr marL="514350" indent="-514350">
+              <a:buFont typeface="+mj-lt"/>
+              <a:buAutoNum type="arabicPeriod"/>
+            </a:pPr>
+            <a:r>
+              <a:rPr lang="en-US" dirty="0" err="1"/>
+              <a:t>Unten</a:t>
+            </a:r>
+            <a:r>
+              <a:rPr lang="en-US" dirty="0"/>
+              <a:t>: Attachments</a:t>
+            </a:r>
+          </a:p>
+          <a:p>
+            <a:pPr marL="514350" indent="-514350">
+              <a:buFont typeface="+mj-lt"/>
+              <a:buAutoNum type="arabicPeriod"/>
+            </a:pPr>
+            <a:r>
+              <a:rPr lang="en-US" dirty="0"/>
+              <a:t>.</a:t>
+            </a:r>
+            <a:r>
+              <a:rPr lang="en-US" dirty="0" err="1"/>
+              <a:t>gliffy</a:t>
+            </a:r>
+            <a:r>
+              <a:rPr lang="en-US" dirty="0"/>
+              <a:t> </a:t>
+            </a:r>
+            <a:r>
+              <a:rPr lang="en-US" dirty="0" err="1"/>
+              <a:t>Diagramm</a:t>
+            </a:r>
+            <a:r>
+              <a:rPr lang="en-US" dirty="0"/>
+              <a:t> </a:t>
+            </a:r>
+            <a:r>
+              <a:rPr lang="en-US" dirty="0" err="1"/>
+              <a:t>runterladen</a:t>
+            </a:r>
+            <a:endParaRPr lang="en-US" dirty="0"/>
+          </a:p>
+          <a:p>
+            <a:pPr marL="514350" indent="-514350">
+              <a:buFont typeface="+mj-lt"/>
+              <a:buAutoNum type="arabicPeriod"/>
+            </a:pPr>
+            <a:r>
+              <a:rPr lang="en-US" dirty="0" err="1"/>
+              <a:t>Importieren</a:t>
+            </a:r>
+            <a:r>
+              <a:rPr lang="en-US" dirty="0"/>
+              <a:t> in </a:t>
+            </a:r>
+            <a:r>
+              <a:rPr lang="en-US" dirty="0" err="1"/>
+              <a:t>anderes</a:t>
+            </a:r>
+            <a:r>
+              <a:rPr lang="en-US" dirty="0"/>
+              <a:t> </a:t>
+            </a:r>
+            <a:r>
+              <a:rPr lang="en-US" dirty="0" err="1"/>
+              <a:t>Programm</a:t>
+            </a:r>
+            <a:r>
+              <a:rPr lang="en-US" dirty="0"/>
+              <a:t> (</a:t>
+            </a:r>
+            <a:r>
+              <a:rPr lang="en-US" dirty="0" err="1"/>
+              <a:t>z.B</a:t>
+            </a:r>
+            <a:r>
+              <a:rPr lang="en-US" dirty="0"/>
+              <a:t>.: draw.io …)</a:t>
+            </a:r>
+          </a:p>
+        </p:txBody>
+      </p:sp>
     </p:spTree>
     <p:extLst>
       <p:ext uri="{BB962C8B-B14F-4D97-AF65-F5344CB8AC3E}">
-        <p14:creationId xmlns:p14="http://schemas.microsoft.com/office/powerpoint/2010/main" val="3449110377"/>
+        <p14:creationId xmlns:p14="http://schemas.microsoft.com/office/powerpoint/2010/main" val="3297500154"/>
       </p:ext>
     </p:extLst>
   </p:cSld>
@@ -7427,7 +7679,7 @@
           <p:cNvPr id="2" name="Title 1">
             <a:extLst>
               <a:ext uri="{FF2B5EF4-FFF2-40B4-BE49-F238E27FC236}">
-                <a16:creationId xmlns:a16="http://schemas.microsoft.com/office/drawing/2014/main" id="{96E641F0-05CD-439A-9702-F9F70DB03A3D}"/>
+                <a16:creationId xmlns:a16="http://schemas.microsoft.com/office/drawing/2014/main" id="{DB9BE143-2737-45A7-9AD4-4230B8CF941E}"/>
               </a:ext>
             </a:extLst>
           </p:cNvPr>
@@ -7444,152 +7696,66 @@
           <a:lstStyle/>
           <a:p>
             <a:r>
+              <a:rPr lang="en-US" dirty="0" err="1"/>
+              <a:t>Klassendiagramm</a:t>
+            </a:r>
+            <a:r>
               <a:rPr lang="en-US" dirty="0"/>
-              <a:t>Rationale</a:t>
-            </a:r>
-          </a:p>
-        </p:txBody>
-      </p:sp>
-      <p:sp>
-        <p:nvSpPr>
-          <p:cNvPr id="3" name="Content Placeholder 2">
-            <a:extLst>
-              <a:ext uri="{FF2B5EF4-FFF2-40B4-BE49-F238E27FC236}">
-                <a16:creationId xmlns:a16="http://schemas.microsoft.com/office/drawing/2014/main" id="{B6E92CE3-74FF-4990-B242-2107A6BD5DA3}"/>
-              </a:ext>
-            </a:extLst>
-          </p:cNvPr>
-          <p:cNvSpPr>
-            <a:spLocks noGrp="1"/>
-          </p:cNvSpPr>
-          <p:nvPr>
-            <p:ph idx="1"/>
-          </p:nvPr>
-        </p:nvSpPr>
+              <a:t> – </a:t>
+            </a:r>
+            <a:r>
+              <a:rPr lang="en-US" dirty="0" err="1"/>
+              <a:t>Fehler</a:t>
+            </a:r>
+            <a:r>
+              <a:rPr lang="en-US" dirty="0"/>
+              <a:t> </a:t>
+            </a:r>
+            <a:r>
+              <a:rPr lang="en-US" dirty="0" err="1"/>
+              <a:t>finden</a:t>
+            </a:r>
+            <a:r>
+              <a:rPr lang="en-US" dirty="0"/>
+              <a:t> </a:t>
+            </a:r>
+          </a:p>
+        </p:txBody>
+      </p:sp>
+      <p:pic>
+        <p:nvPicPr>
+          <p:cNvPr id="4" name="Picture 3">
+            <a:extLst>
+              <a:ext uri="{FF2B5EF4-FFF2-40B4-BE49-F238E27FC236}">
+                <a16:creationId xmlns:a16="http://schemas.microsoft.com/office/drawing/2014/main" id="{74C49B84-AD4A-4CD2-A381-0D0881917C12}"/>
+              </a:ext>
+            </a:extLst>
+          </p:cNvPr>
+          <p:cNvPicPr>
+            <a:picLocks noChangeAspect="1"/>
+          </p:cNvPicPr>
+          <p:nvPr/>
+        </p:nvPicPr>
+        <p:blipFill>
+          <a:blip r:embed="rId2"/>
+          <a:stretch>
+            <a:fillRect/>
+          </a:stretch>
+        </p:blipFill>
         <p:spPr>
           <a:xfrm>
-            <a:off x="838200" y="1825624"/>
-            <a:ext cx="10515600" cy="5032375"/>
+            <a:off x="0" y="1298904"/>
+            <a:ext cx="12192000" cy="5559096"/>
           </a:xfrm>
+          <a:prstGeom prst="rect">
+            <a:avLst/>
+          </a:prstGeom>
         </p:spPr>
-        <p:txBody>
-          <a:bodyPr>
-            <a:normAutofit/>
-          </a:bodyPr>
-          <a:lstStyle/>
-          <a:p>
-            <a:r>
-              <a:rPr lang="en-US" dirty="0" err="1"/>
-              <a:t>Begründungen</a:t>
-            </a:r>
-            <a:r>
-              <a:rPr lang="en-US" dirty="0"/>
-              <a:t> </a:t>
-            </a:r>
-            <a:r>
-              <a:rPr lang="en-US" dirty="0" err="1"/>
-              <a:t>für</a:t>
-            </a:r>
-            <a:r>
-              <a:rPr lang="en-US" dirty="0"/>
-              <a:t> </a:t>
-            </a:r>
-            <a:r>
-              <a:rPr lang="en-US" dirty="0" err="1"/>
-              <a:t>Entscheidungen</a:t>
-            </a:r>
-            <a:r>
-              <a:rPr lang="en-US" dirty="0"/>
-              <a:t> </a:t>
-            </a:r>
-          </a:p>
-          <a:p>
-            <a:r>
-              <a:rPr lang="en-US" dirty="0" err="1"/>
-              <a:t>Beschreiben</a:t>
-            </a:r>
-            <a:r>
-              <a:rPr lang="en-US" dirty="0"/>
-              <a:t> </a:t>
-            </a:r>
-            <a:r>
-              <a:rPr lang="en-US" dirty="0" err="1"/>
-              <a:t>mit</a:t>
-            </a:r>
-            <a:r>
-              <a:rPr lang="en-US" dirty="0"/>
-              <a:t>:</a:t>
-            </a:r>
-          </a:p>
-          <a:p>
-            <a:pPr lvl="1"/>
-            <a:r>
-              <a:rPr lang="de-DE" dirty="0"/>
-              <a:t>Fragen (konkrete Probleme ohne eindeutige Lösung)</a:t>
-            </a:r>
-          </a:p>
-          <a:p>
-            <a:pPr lvl="1"/>
-            <a:r>
-              <a:rPr lang="de-DE" dirty="0"/>
-              <a:t>Optionen (Alternativen zur Lösung)</a:t>
-            </a:r>
-          </a:p>
-          <a:p>
-            <a:pPr lvl="1"/>
-            <a:r>
-              <a:rPr lang="de-DE" dirty="0"/>
-              <a:t>Kriterien</a:t>
-            </a:r>
-          </a:p>
-          <a:p>
-            <a:pPr lvl="1"/>
-            <a:r>
-              <a:rPr lang="de-DE" dirty="0"/>
-              <a:t>Argumente (Diskussionen)</a:t>
-            </a:r>
-          </a:p>
-          <a:p>
-            <a:pPr lvl="1"/>
-            <a:r>
-              <a:rPr lang="de-DE" dirty="0"/>
-              <a:t>Entscheidungen</a:t>
-            </a:r>
-          </a:p>
-          <a:p>
-            <a:r>
-              <a:rPr lang="de-DE" dirty="0"/>
-              <a:t>Darstellung:</a:t>
-            </a:r>
-          </a:p>
-          <a:p>
-            <a:pPr lvl="1"/>
-            <a:r>
-              <a:rPr lang="de-DE" dirty="0"/>
-              <a:t>Tabelle</a:t>
-            </a:r>
-          </a:p>
-          <a:p>
-            <a:pPr lvl="1"/>
-            <a:r>
-              <a:rPr lang="de-DE" dirty="0"/>
-              <a:t>Freitext</a:t>
-            </a:r>
-          </a:p>
-          <a:p>
-            <a:pPr lvl="1"/>
-            <a:r>
-              <a:rPr lang="de-DE" dirty="0"/>
-              <a:t>Etc.</a:t>
-            </a:r>
-            <a:endParaRPr lang="en-US" dirty="0"/>
-          </a:p>
-        </p:txBody>
-      </p:sp>
+      </p:pic>
     </p:spTree>
     <p:extLst>
       <p:ext uri="{BB962C8B-B14F-4D97-AF65-F5344CB8AC3E}">
-        <p14:creationId xmlns:p14="http://schemas.microsoft.com/office/powerpoint/2010/main" val="2213168427"/>
+        <p14:creationId xmlns:p14="http://schemas.microsoft.com/office/powerpoint/2010/main" val="3449110377"/>
       </p:ext>
     </p:extLst>
   </p:cSld>
